--- a/FromSQLtoAzureCosmosDB/FromSQLtoAzureCosmosDB.pptx
+++ b/FromSQLtoAzureCosmosDB/FromSQLtoAzureCosmosDB.pptx
@@ -269,7 +269,7 @@
           <a:p>
             <a:fld id="{D4DDA21E-28F9-429C-875C-CFE3ACB8D770}" type="datetimeFigureOut">
               <a:rPr lang="en-US" smtClean="0"/>
-              <a:t>5/9/2018</a:t>
+              <a:t>5/10/2018</a:t>
             </a:fld>
             <a:endParaRPr lang="en-US"/>
           </a:p>
@@ -1193,7 +1193,7 @@
           <a:p>
             <a:fld id="{EB044DB1-568E-4964-A02F-CCDCEAA70EF3}" type="datetimeFigureOut">
               <a:rPr lang="en-US" smtClean="0"/>
-              <a:t>5/9/2018</a:t>
+              <a:t>5/10/2018</a:t>
             </a:fld>
             <a:endParaRPr lang="en-US"/>
           </a:p>
@@ -1411,7 +1411,7 @@
           <a:p>
             <a:fld id="{EB044DB1-568E-4964-A02F-CCDCEAA70EF3}" type="datetimeFigureOut">
               <a:rPr lang="en-US" smtClean="0"/>
-              <a:t>5/9/2018</a:t>
+              <a:t>5/10/2018</a:t>
             </a:fld>
             <a:endParaRPr lang="en-US"/>
           </a:p>
@@ -1586,7 +1586,7 @@
           <a:p>
             <a:fld id="{EB044DB1-568E-4964-A02F-CCDCEAA70EF3}" type="datetimeFigureOut">
               <a:rPr lang="en-US" smtClean="0"/>
-              <a:t>5/9/2018</a:t>
+              <a:t>5/10/2018</a:t>
             </a:fld>
             <a:endParaRPr lang="en-US"/>
           </a:p>
@@ -1989,7 +1989,7 @@
           <a:p>
             <a:fld id="{EB044DB1-568E-4964-A02F-CCDCEAA70EF3}" type="datetimeFigureOut">
               <a:rPr lang="en-US" smtClean="0"/>
-              <a:t>5/9/2018</a:t>
+              <a:t>5/10/2018</a:t>
             </a:fld>
             <a:endParaRPr lang="en-US"/>
           </a:p>
@@ -2230,7 +2230,7 @@
           <a:p>
             <a:fld id="{EB044DB1-568E-4964-A02F-CCDCEAA70EF3}" type="datetimeFigureOut">
               <a:rPr lang="en-US" smtClean="0"/>
-              <a:t>5/9/2018</a:t>
+              <a:t>5/10/2018</a:t>
             </a:fld>
             <a:endParaRPr lang="en-US"/>
           </a:p>
@@ -2457,7 +2457,7 @@
           <a:p>
             <a:fld id="{EB044DB1-568E-4964-A02F-CCDCEAA70EF3}" type="datetimeFigureOut">
               <a:rPr lang="en-US" smtClean="0"/>
-              <a:t>5/9/2018</a:t>
+              <a:t>5/10/2018</a:t>
             </a:fld>
             <a:endParaRPr lang="en-US"/>
           </a:p>
@@ -2819,7 +2819,7 @@
           <a:p>
             <a:fld id="{EB044DB1-568E-4964-A02F-CCDCEAA70EF3}" type="datetimeFigureOut">
               <a:rPr lang="en-US" smtClean="0"/>
-              <a:t>5/9/2018</a:t>
+              <a:t>5/10/2018</a:t>
             </a:fld>
             <a:endParaRPr lang="en-US"/>
           </a:p>
@@ -2932,7 +2932,7 @@
           <a:p>
             <a:fld id="{EB044DB1-568E-4964-A02F-CCDCEAA70EF3}" type="datetimeFigureOut">
               <a:rPr lang="en-US" smtClean="0"/>
-              <a:t>5/9/2018</a:t>
+              <a:t>5/10/2018</a:t>
             </a:fld>
             <a:endParaRPr lang="en-US"/>
           </a:p>
@@ -3022,7 +3022,7 @@
           <a:p>
             <a:fld id="{EB044DB1-568E-4964-A02F-CCDCEAA70EF3}" type="datetimeFigureOut">
               <a:rPr lang="en-US" smtClean="0"/>
-              <a:t>5/9/2018</a:t>
+              <a:t>5/10/2018</a:t>
             </a:fld>
             <a:endParaRPr lang="en-US"/>
           </a:p>
@@ -3294,7 +3294,7 @@
           <a:p>
             <a:fld id="{EB044DB1-568E-4964-A02F-CCDCEAA70EF3}" type="datetimeFigureOut">
               <a:rPr lang="en-US" smtClean="0"/>
-              <a:t>5/9/2018</a:t>
+              <a:t>5/10/2018</a:t>
             </a:fld>
             <a:endParaRPr lang="en-US"/>
           </a:p>
@@ -3546,7 +3546,7 @@
           <a:p>
             <a:fld id="{EB044DB1-568E-4964-A02F-CCDCEAA70EF3}" type="datetimeFigureOut">
               <a:rPr lang="en-US" smtClean="0"/>
-              <a:t>5/9/2018</a:t>
+              <a:t>5/10/2018</a:t>
             </a:fld>
             <a:endParaRPr lang="en-US"/>
           </a:p>
@@ -3753,7 +3753,7 @@
           <a:p>
             <a:fld id="{EB044DB1-568E-4964-A02F-CCDCEAA70EF3}" type="datetimeFigureOut">
               <a:rPr lang="en-US" smtClean="0"/>
-              <a:t>5/9/2018</a:t>
+              <a:t>5/10/2018</a:t>
             </a:fld>
             <a:endParaRPr lang="en-US"/>
           </a:p>

--- a/FromSQLtoAzureCosmosDB/FromSQLtoAzureCosmosDB.pptx
+++ b/FromSQLtoAzureCosmosDB/FromSQLtoAzureCosmosDB.pptx
@@ -5,7 +5,7 @@
     <p:sldMasterId id="2147483700" r:id="rId1"/>
   </p:sldMasterIdLst>
   <p:notesMasterIdLst>
-    <p:notesMasterId r:id="rId50"/>
+    <p:notesMasterId r:id="rId56"/>
   </p:notesMasterIdLst>
   <p:sldIdLst>
     <p:sldId id="274" r:id="rId2"/>
@@ -50,12 +50,18 @@
     <p:sldId id="316" r:id="rId41"/>
     <p:sldId id="317" r:id="rId42"/>
     <p:sldId id="307" r:id="rId43"/>
-    <p:sldId id="320" r:id="rId44"/>
-    <p:sldId id="321" r:id="rId45"/>
-    <p:sldId id="308" r:id="rId46"/>
-    <p:sldId id="318" r:id="rId47"/>
-    <p:sldId id="319" r:id="rId48"/>
-    <p:sldId id="275" r:id="rId49"/>
+    <p:sldId id="323" r:id="rId44"/>
+    <p:sldId id="320" r:id="rId45"/>
+    <p:sldId id="321" r:id="rId46"/>
+    <p:sldId id="322" r:id="rId47"/>
+    <p:sldId id="324" r:id="rId48"/>
+    <p:sldId id="325" r:id="rId49"/>
+    <p:sldId id="326" r:id="rId50"/>
+    <p:sldId id="327" r:id="rId51"/>
+    <p:sldId id="308" r:id="rId52"/>
+    <p:sldId id="318" r:id="rId53"/>
+    <p:sldId id="319" r:id="rId54"/>
+    <p:sldId id="275" r:id="rId55"/>
   </p:sldIdLst>
   <p:sldSz cx="12192000" cy="6858000"/>
   <p:notesSz cx="6858000" cy="9144000"/>
@@ -1043,7 +1049,7 @@
           <a:p>
             <a:fld id="{DC42B9C4-3265-4C64-80EB-D0107FD08979}" type="slidenum">
               <a:rPr lang="en-US" smtClean="0"/>
-              <a:t>48</a:t>
+              <a:t>54</a:t>
             </a:fld>
             <a:endParaRPr lang="en-US"/>
           </a:p>
@@ -12354,7 +12360,7 @@
           <p:cNvPr id="2" name="Picture 1">
             <a:extLst>
               <a:ext uri="{FF2B5EF4-FFF2-40B4-BE49-F238E27FC236}">
-                <a16:creationId xmlns:a16="http://schemas.microsoft.com/office/drawing/2014/main" id="{75A09627-1F8B-4C48-BD1E-DD85DCFCD8EB}"/>
+                <a16:creationId xmlns:a16="http://schemas.microsoft.com/office/drawing/2014/main" id="{E545E642-6046-4971-90BE-3AC15164F042}"/>
               </a:ext>
             </a:extLst>
           </p:cNvPr>
@@ -12371,8 +12377,8 @@
         </p:blipFill>
         <p:spPr>
           <a:xfrm>
-            <a:off x="0" y="2040515"/>
-            <a:ext cx="12192000" cy="2776970"/>
+            <a:off x="1338262" y="1890712"/>
+            <a:ext cx="9515475" cy="3076575"/>
           </a:xfrm>
           <a:prstGeom prst="rect">
             <a:avLst/>
@@ -12382,7 +12388,7 @@
     </p:spTree>
     <p:extLst>
       <p:ext uri="{BB962C8B-B14F-4D97-AF65-F5344CB8AC3E}">
-        <p14:creationId xmlns:p14="http://schemas.microsoft.com/office/powerpoint/2010/main" val="2641486100"/>
+        <p14:creationId xmlns:p14="http://schemas.microsoft.com/office/powerpoint/2010/main" val="125617725"/>
       </p:ext>
     </p:extLst>
   </p:cSld>
@@ -12439,56 +12445,10 @@
           </a:prstGeom>
         </p:spPr>
       </p:pic>
-      <p:sp>
-        <p:nvSpPr>
-          <p:cNvPr id="3" name="Rectangle 2">
-            <a:extLst>
-              <a:ext uri="{FF2B5EF4-FFF2-40B4-BE49-F238E27FC236}">
-                <a16:creationId xmlns:a16="http://schemas.microsoft.com/office/drawing/2014/main" id="{EF41DB4C-EB9F-4231-AC3C-E4FCA78C2158}"/>
-              </a:ext>
-            </a:extLst>
-          </p:cNvPr>
-          <p:cNvSpPr/>
-          <p:nvPr/>
-        </p:nvSpPr>
-        <p:spPr>
-          <a:xfrm>
-            <a:off x="7094136" y="2647741"/>
-            <a:ext cx="4531807" cy="572756"/>
-          </a:xfrm>
-          <a:prstGeom prst="rect">
-            <a:avLst/>
-          </a:prstGeom>
-          <a:noFill/>
-          <a:ln w="38100"/>
-        </p:spPr>
-        <p:style>
-          <a:lnRef idx="2">
-            <a:schemeClr val="accent2"/>
-          </a:lnRef>
-          <a:fillRef idx="1">
-            <a:schemeClr val="lt1"/>
-          </a:fillRef>
-          <a:effectRef idx="0">
-            <a:schemeClr val="accent2"/>
-          </a:effectRef>
-          <a:fontRef idx="minor">
-            <a:schemeClr val="dk1"/>
-          </a:fontRef>
-        </p:style>
-        <p:txBody>
-          <a:bodyPr rtlCol="0" anchor="ctr"/>
-          <a:lstStyle/>
-          <a:p>
-            <a:pPr algn="ctr"/>
-            <a:endParaRPr lang="en-US"/>
-          </a:p>
-        </p:txBody>
-      </p:sp>
     </p:spTree>
     <p:extLst>
       <p:ext uri="{BB962C8B-B14F-4D97-AF65-F5344CB8AC3E}">
-        <p14:creationId xmlns:p14="http://schemas.microsoft.com/office/powerpoint/2010/main" val="1794615080"/>
+        <p14:creationId xmlns:p14="http://schemas.microsoft.com/office/powerpoint/2010/main" val="2641486100"/>
       </p:ext>
     </p:extLst>
   </p:cSld>
@@ -12520,7 +12480,7 @@
           <p:cNvPr id="2" name="Picture 1">
             <a:extLst>
               <a:ext uri="{FF2B5EF4-FFF2-40B4-BE49-F238E27FC236}">
-                <a16:creationId xmlns:a16="http://schemas.microsoft.com/office/drawing/2014/main" id="{0A5820E0-F674-419D-BE45-DC815015B721}"/>
+                <a16:creationId xmlns:a16="http://schemas.microsoft.com/office/drawing/2014/main" id="{75A09627-1F8B-4C48-BD1E-DD85DCFCD8EB}"/>
               </a:ext>
             </a:extLst>
           </p:cNvPr>
@@ -12537,18 +12497,64 @@
         </p:blipFill>
         <p:spPr>
           <a:xfrm>
-            <a:off x="0" y="826284"/>
-            <a:ext cx="12192000" cy="5205432"/>
+            <a:off x="0" y="2040515"/>
+            <a:ext cx="12192000" cy="2776970"/>
           </a:xfrm>
           <a:prstGeom prst="rect">
             <a:avLst/>
           </a:prstGeom>
         </p:spPr>
       </p:pic>
+      <p:sp>
+        <p:nvSpPr>
+          <p:cNvPr id="3" name="Rectangle 2">
+            <a:extLst>
+              <a:ext uri="{FF2B5EF4-FFF2-40B4-BE49-F238E27FC236}">
+                <a16:creationId xmlns:a16="http://schemas.microsoft.com/office/drawing/2014/main" id="{EF41DB4C-EB9F-4231-AC3C-E4FCA78C2158}"/>
+              </a:ext>
+            </a:extLst>
+          </p:cNvPr>
+          <p:cNvSpPr/>
+          <p:nvPr/>
+        </p:nvSpPr>
+        <p:spPr>
+          <a:xfrm>
+            <a:off x="7094136" y="2647741"/>
+            <a:ext cx="4531807" cy="572756"/>
+          </a:xfrm>
+          <a:prstGeom prst="rect">
+            <a:avLst/>
+          </a:prstGeom>
+          <a:noFill/>
+          <a:ln w="38100"/>
+        </p:spPr>
+        <p:style>
+          <a:lnRef idx="2">
+            <a:schemeClr val="accent2"/>
+          </a:lnRef>
+          <a:fillRef idx="1">
+            <a:schemeClr val="lt1"/>
+          </a:fillRef>
+          <a:effectRef idx="0">
+            <a:schemeClr val="accent2"/>
+          </a:effectRef>
+          <a:fontRef idx="minor">
+            <a:schemeClr val="dk1"/>
+          </a:fontRef>
+        </p:style>
+        <p:txBody>
+          <a:bodyPr rtlCol="0" anchor="ctr"/>
+          <a:lstStyle/>
+          <a:p>
+            <a:pPr algn="ctr"/>
+            <a:endParaRPr lang="en-US"/>
+          </a:p>
+        </p:txBody>
+      </p:sp>
     </p:spTree>
     <p:extLst>
       <p:ext uri="{BB962C8B-B14F-4D97-AF65-F5344CB8AC3E}">
-        <p14:creationId xmlns:p14="http://schemas.microsoft.com/office/powerpoint/2010/main" val="3800474672"/>
+        <p14:creationId xmlns:p14="http://schemas.microsoft.com/office/powerpoint/2010/main" val="1794615080"/>
       </p:ext>
     </p:extLst>
   </p:cSld>
@@ -12580,7 +12586,7 @@
           <p:cNvPr id="2" name="Picture 1">
             <a:extLst>
               <a:ext uri="{FF2B5EF4-FFF2-40B4-BE49-F238E27FC236}">
-                <a16:creationId xmlns:a16="http://schemas.microsoft.com/office/drawing/2014/main" id="{8CAB8915-AC66-4FB1-A90F-7BF6ECC2D64B}"/>
+                <a16:creationId xmlns:a16="http://schemas.microsoft.com/office/drawing/2014/main" id="{CD2CE416-C21D-4D20-AC26-49B3850544B3}"/>
               </a:ext>
             </a:extLst>
           </p:cNvPr>
@@ -12597,8 +12603,8 @@
         </p:blipFill>
         <p:spPr>
           <a:xfrm>
-            <a:off x="3030070" y="0"/>
-            <a:ext cx="6131859" cy="6858000"/>
+            <a:off x="0" y="187544"/>
+            <a:ext cx="12192000" cy="6482911"/>
           </a:xfrm>
           <a:prstGeom prst="rect">
             <a:avLst/>
@@ -12608,7 +12614,7 @@
     </p:spTree>
     <p:extLst>
       <p:ext uri="{BB962C8B-B14F-4D97-AF65-F5344CB8AC3E}">
-        <p14:creationId xmlns:p14="http://schemas.microsoft.com/office/powerpoint/2010/main" val="245185262"/>
+        <p14:creationId xmlns:p14="http://schemas.microsoft.com/office/powerpoint/2010/main" val="2080656907"/>
       </p:ext>
     </p:extLst>
   </p:cSld>
@@ -12637,10 +12643,10 @@
       </p:grpSpPr>
       <p:pic>
         <p:nvPicPr>
-          <p:cNvPr id="3074" name="Picture 2" descr="Azure Cosmos DB offers multiple, well defined (relaxed) consistency models to choose from">
+          <p:cNvPr id="1026" name="Picture 2" descr="Life Beyond Distributed Transactions">
             <a:extLst>
               <a:ext uri="{FF2B5EF4-FFF2-40B4-BE49-F238E27FC236}">
-                <a16:creationId xmlns:a16="http://schemas.microsoft.com/office/drawing/2014/main" id="{EEDBA528-AF7B-49C8-92CD-B53D8244A0F6}"/>
+                <a16:creationId xmlns:a16="http://schemas.microsoft.com/office/drawing/2014/main" id="{7E681B29-9890-4942-B1A8-EA8C643D5E37}"/>
               </a:ext>
             </a:extLst>
           </p:cNvPr>
@@ -12664,8 +12670,8 @@
         </p:blipFill>
         <p:spPr bwMode="auto">
           <a:xfrm>
-            <a:off x="3185799" y="456258"/>
-            <a:ext cx="5991225" cy="1885950"/>
+            <a:off x="2667000" y="1847850"/>
+            <a:ext cx="6858000" cy="3162300"/>
           </a:xfrm>
           <a:prstGeom prst="rect">
             <a:avLst/>
@@ -12682,40 +12688,10 @@
           </a:extLst>
         </p:spPr>
       </p:pic>
-      <p:pic>
-        <p:nvPicPr>
-          <p:cNvPr id="2" name="Picture 1">
-            <a:extLst>
-              <a:ext uri="{FF2B5EF4-FFF2-40B4-BE49-F238E27FC236}">
-                <a16:creationId xmlns:a16="http://schemas.microsoft.com/office/drawing/2014/main" id="{037FD106-9B6F-4398-BEC2-92616671656A}"/>
-              </a:ext>
-            </a:extLst>
-          </p:cNvPr>
-          <p:cNvPicPr>
-            <a:picLocks noChangeAspect="1"/>
-          </p:cNvPicPr>
-          <p:nvPr/>
-        </p:nvPicPr>
-        <p:blipFill>
-          <a:blip r:embed="rId3"/>
-          <a:stretch>
-            <a:fillRect/>
-          </a:stretch>
-        </p:blipFill>
-        <p:spPr>
-          <a:xfrm>
-            <a:off x="0" y="2322399"/>
-            <a:ext cx="12192000" cy="4386787"/>
-          </a:xfrm>
-          <a:prstGeom prst="rect">
-            <a:avLst/>
-          </a:prstGeom>
-        </p:spPr>
-      </p:pic>
     </p:spTree>
     <p:extLst>
       <p:ext uri="{BB962C8B-B14F-4D97-AF65-F5344CB8AC3E}">
-        <p14:creationId xmlns:p14="http://schemas.microsoft.com/office/powerpoint/2010/main" val="250317462"/>
+        <p14:creationId xmlns:p14="http://schemas.microsoft.com/office/powerpoint/2010/main" val="2516215767"/>
       </p:ext>
     </p:extLst>
   </p:cSld>
@@ -12742,134 +12718,22 @@
           <a:chExt cx="0" cy="0"/>
         </a:xfrm>
       </p:grpSpPr>
-      <p:sp>
-        <p:nvSpPr>
-          <p:cNvPr id="2" name="Title 1"/>
-          <p:cNvSpPr>
-            <a:spLocks noGrp="1"/>
-          </p:cNvSpPr>
-          <p:nvPr>
-            <p:ph type="ctrTitle"/>
-            <p:custDataLst>
-              <p:tags r:id="rId2"/>
-            </p:custDataLst>
-          </p:nvPr>
-        </p:nvSpPr>
-        <p:spPr>
-          <a:xfrm>
-            <a:off x="1759392" y="70969"/>
-            <a:ext cx="8691327" cy="2387600"/>
-          </a:xfrm>
-        </p:spPr>
-        <p:txBody>
-          <a:bodyPr anchor="ctr">
-            <a:noAutofit/>
-          </a:bodyPr>
-          <a:lstStyle/>
-          <a:p>
-            <a:r>
-              <a:rPr lang="en-US" sz="6600" dirty="0">
-                <a:solidFill>
-                  <a:prstClr val="black"/>
-                </a:solidFill>
-              </a:rPr>
-              <a:t>From SQL to</a:t>
-            </a:r>
-            <a:br>
-              <a:rPr lang="en-US" sz="6600" dirty="0">
-                <a:solidFill>
-                  <a:prstClr val="black"/>
-                </a:solidFill>
-              </a:rPr>
-            </a:br>
-            <a:r>
-              <a:rPr lang="en-US" sz="6600" dirty="0">
-                <a:solidFill>
-                  <a:prstClr val="black"/>
-                </a:solidFill>
-              </a:rPr>
-              <a:t>Azure Cosmos DB</a:t>
-            </a:r>
-            <a:endParaRPr lang="en-US" sz="4800" dirty="0"/>
-          </a:p>
-        </p:txBody>
-      </p:sp>
-      <p:sp>
-        <p:nvSpPr>
-          <p:cNvPr id="3" name="Subtitle 2"/>
-          <p:cNvSpPr>
-            <a:spLocks noGrp="1"/>
-          </p:cNvSpPr>
-          <p:nvPr>
-            <p:ph type="subTitle" idx="1"/>
-            <p:custDataLst>
-              <p:tags r:id="rId3"/>
-            </p:custDataLst>
-          </p:nvPr>
-        </p:nvSpPr>
-        <p:spPr>
-          <a:xfrm>
-            <a:off x="2676052" y="2693397"/>
-            <a:ext cx="6858000" cy="1655763"/>
-          </a:xfrm>
-        </p:spPr>
-        <p:txBody>
-          <a:bodyPr>
-            <a:normAutofit lnSpcReduction="10000"/>
-          </a:bodyPr>
-          <a:lstStyle/>
-          <a:p>
-            <a:r>
-              <a:rPr lang="en-US" dirty="0"/>
-              <a:t>Jimmy </a:t>
-            </a:r>
-            <a:r>
-              <a:rPr lang="en-US" dirty="0" err="1"/>
-              <a:t>Bogard</a:t>
-            </a:r>
-            <a:endParaRPr lang="en-US" dirty="0"/>
-          </a:p>
-          <a:p>
-            <a:r>
-              <a:rPr lang="en-US" dirty="0"/>
-              <a:t>@</a:t>
-            </a:r>
-            <a:r>
-              <a:rPr lang="en-US" dirty="0" err="1"/>
-              <a:t>jbogard</a:t>
-            </a:r>
-            <a:endParaRPr lang="en-US" dirty="0"/>
-          </a:p>
-          <a:p>
-            <a:r>
-              <a:rPr lang="en-US" dirty="0"/>
-              <a:t>github.com/</a:t>
-            </a:r>
-            <a:r>
-              <a:rPr lang="en-US" dirty="0" err="1"/>
-              <a:t>jbogard</a:t>
-            </a:r>
-            <a:endParaRPr lang="en-US" dirty="0"/>
-          </a:p>
-          <a:p>
-            <a:r>
-              <a:rPr lang="en-US" dirty="0" err="1"/>
-              <a:t>jimmybogard.com</a:t>
-            </a:r>
-            <a:endParaRPr lang="en-US" dirty="0"/>
-          </a:p>
-        </p:txBody>
-      </p:sp>
       <p:pic>
         <p:nvPicPr>
-          <p:cNvPr id="9" name="Picture 4" descr="https://mvp.support.microsoft.com/library/images/support/en-US/MVPLogo.gif"/>
+          <p:cNvPr id="2050" name="Picture 2" descr="Life Beyond Distributed Transactions">
+            <a:extLst>
+              <a:ext uri="{FF2B5EF4-FFF2-40B4-BE49-F238E27FC236}">
+                <a16:creationId xmlns:a16="http://schemas.microsoft.com/office/drawing/2014/main" id="{3CCCFBB9-22A4-4EFC-AC2A-159D2969C961}"/>
+              </a:ext>
+            </a:extLst>
+          </p:cNvPr>
           <p:cNvPicPr>
             <a:picLocks noChangeAspect="1" noChangeArrowheads="1"/>
           </p:cNvPicPr>
           <p:nvPr/>
         </p:nvPicPr>
         <p:blipFill>
-          <a:blip r:embed="rId6">
+          <a:blip r:embed="rId2">
             <a:extLst>
               <a:ext uri="{28A0092B-C50C-407E-A947-70E740481C1C}">
                 <a14:useLocalDpi xmlns:a14="http://schemas.microsoft.com/office/drawing/2010/main" val="0"/>
@@ -12883,8 +12747,8 @@
         </p:blipFill>
         <p:spPr bwMode="auto">
           <a:xfrm>
-            <a:off x="1411730" y="4632329"/>
-            <a:ext cx="1095375" cy="1714500"/>
+            <a:off x="2667000" y="1076325"/>
+            <a:ext cx="6858000" cy="4705350"/>
           </a:xfrm>
           <a:prstGeom prst="rect">
             <a:avLst/>
@@ -12901,16 +12765,52 @@
           </a:extLst>
         </p:spPr>
       </p:pic>
+    </p:spTree>
+    <p:extLst>
+      <p:ext uri="{BB962C8B-B14F-4D97-AF65-F5344CB8AC3E}">
+        <p14:creationId xmlns:p14="http://schemas.microsoft.com/office/powerpoint/2010/main" val="18864599"/>
+      </p:ext>
+    </p:extLst>
+  </p:cSld>
+  <p:clrMapOvr>
+    <a:masterClrMapping/>
+  </p:clrMapOvr>
+</p:sld>
+</file>
+
+<file path=ppt/slides/slide49.xml><?xml version="1.0" encoding="utf-8"?>
+<p:sld xmlns:a="http://schemas.openxmlformats.org/drawingml/2006/main" xmlns:r="http://schemas.openxmlformats.org/officeDocument/2006/relationships" xmlns:p="http://schemas.openxmlformats.org/presentationml/2006/main">
+  <p:cSld>
+    <p:spTree>
+      <p:nvGrpSpPr>
+        <p:cNvPr id="1" name=""/>
+        <p:cNvGrpSpPr/>
+        <p:nvPr/>
+      </p:nvGrpSpPr>
+      <p:grpSpPr>
+        <a:xfrm>
+          <a:off x="0" y="0"/>
+          <a:ext cx="0" cy="0"/>
+          <a:chOff x="0" y="0"/>
+          <a:chExt cx="0" cy="0"/>
+        </a:xfrm>
+      </p:grpSpPr>
       <p:pic>
         <p:nvPicPr>
-          <p:cNvPr id="11" name="Picture 8" descr="http://lostechies.com/wp-content/themes/lostechies/images/lostechies_logo.png"/>
+          <p:cNvPr id="3074" name="Picture 2" descr="Life Beyond Distributed Transactions">
+            <a:extLst>
+              <a:ext uri="{FF2B5EF4-FFF2-40B4-BE49-F238E27FC236}">
+                <a16:creationId xmlns:a16="http://schemas.microsoft.com/office/drawing/2014/main" id="{EBEDCCE5-9A26-4E01-B5EB-6A20F141B6EB}"/>
+              </a:ext>
+            </a:extLst>
+          </p:cNvPr>
           <p:cNvPicPr>
             <a:picLocks noChangeAspect="1" noChangeArrowheads="1"/>
           </p:cNvPicPr>
           <p:nvPr/>
         </p:nvPicPr>
         <p:blipFill>
-          <a:blip r:embed="rId7">
+          <a:blip r:embed="rId2">
             <a:extLst>
               <a:ext uri="{28A0092B-C50C-407E-A947-70E740481C1C}">
                 <a14:useLocalDpi xmlns:a14="http://schemas.microsoft.com/office/drawing/2010/main" val="0"/>
@@ -12924,8 +12824,8 @@
         </p:blipFill>
         <p:spPr bwMode="auto">
           <a:xfrm>
-            <a:off x="2106433" y="5489579"/>
-            <a:ext cx="6047539" cy="733425"/>
+            <a:off x="2667000" y="1062038"/>
+            <a:ext cx="6858000" cy="4733925"/>
           </a:xfrm>
           <a:prstGeom prst="rect">
             <a:avLst/>
@@ -12942,143 +12842,10 @@
           </a:extLst>
         </p:spPr>
       </p:pic>
-      <p:pic>
-        <p:nvPicPr>
-          <p:cNvPr id="12" name="Picture 12" descr="AutoMapper"/>
-          <p:cNvPicPr>
-            <a:picLocks noChangeAspect="1" noChangeArrowheads="1"/>
-          </p:cNvPicPr>
-          <p:nvPr/>
-        </p:nvPicPr>
-        <p:blipFill>
-          <a:blip r:embed="rId8">
-            <a:extLst>
-              <a:ext uri="{28A0092B-C50C-407E-A947-70E740481C1C}">
-                <a14:useLocalDpi xmlns:a14="http://schemas.microsoft.com/office/drawing/2010/main" val="0"/>
-              </a:ext>
-            </a:extLst>
-          </a:blip>
-          <a:srcRect/>
-          <a:stretch>
-            <a:fillRect/>
-          </a:stretch>
-        </p:blipFill>
-        <p:spPr bwMode="auto">
-          <a:xfrm>
-            <a:off x="7410973" y="4783848"/>
-            <a:ext cx="3733800" cy="382377"/>
-          </a:xfrm>
-          <a:prstGeom prst="rect">
-            <a:avLst/>
-          </a:prstGeom>
-          <a:noFill/>
-          <a:extLst>
-            <a:ext uri="{909E8E84-426E-40DD-AFC4-6F175D3DCCD1}">
-              <a14:hiddenFill xmlns:a14="http://schemas.microsoft.com/office/drawing/2010/main">
-                <a:solidFill>
-                  <a:srgbClr val="FFFFFF"/>
-                </a:solidFill>
-              </a14:hiddenFill>
-            </a:ext>
-          </a:extLst>
-        </p:spPr>
-      </p:pic>
-      <p:pic>
-        <p:nvPicPr>
-          <p:cNvPr id="10" name="Picture 2" descr="http://storage.pardot.com/52582/22896/headspring_weblogo.png"/>
-          <p:cNvPicPr>
-            <a:picLocks noChangeAspect="1" noChangeArrowheads="1"/>
-          </p:cNvPicPr>
-          <p:nvPr/>
-        </p:nvPicPr>
-        <p:blipFill>
-          <a:blip r:embed="rId9">
-            <a:extLst>
-              <a:ext uri="{28A0092B-C50C-407E-A947-70E740481C1C}">
-                <a14:useLocalDpi xmlns:a14="http://schemas.microsoft.com/office/drawing/2010/main" val="0"/>
-              </a:ext>
-            </a:extLst>
-          </a:blip>
-          <a:srcRect/>
-          <a:stretch>
-            <a:fillRect/>
-          </a:stretch>
-        </p:blipFill>
-        <p:spPr bwMode="auto">
-          <a:xfrm>
-            <a:off x="3310440" y="4685622"/>
-            <a:ext cx="3183567" cy="578830"/>
-          </a:xfrm>
-          <a:prstGeom prst="rect">
-            <a:avLst/>
-          </a:prstGeom>
-          <a:noFill/>
-          <a:extLst>
-            <a:ext uri="{909E8E84-426E-40DD-AFC4-6F175D3DCCD1}">
-              <a14:hiddenFill xmlns:a14="http://schemas.microsoft.com/office/drawing/2010/main">
-                <a:solidFill>
-                  <a:srgbClr val="FFFFFF"/>
-                </a:solidFill>
-              </a14:hiddenFill>
-            </a:ext>
-          </a:extLst>
-        </p:spPr>
-      </p:pic>
-      <p:pic>
-        <p:nvPicPr>
-          <p:cNvPr id="4" name="Picture 3"/>
-          <p:cNvPicPr>
-            <a:picLocks noChangeAspect="1"/>
-          </p:cNvPicPr>
-          <p:nvPr/>
-        </p:nvPicPr>
-        <p:blipFill>
-          <a:blip r:embed="rId10"/>
-          <a:stretch>
-            <a:fillRect/>
-          </a:stretch>
-        </p:blipFill>
-        <p:spPr>
-          <a:xfrm>
-            <a:off x="7996760" y="5405709"/>
-            <a:ext cx="1052054" cy="1052054"/>
-          </a:xfrm>
-          <a:prstGeom prst="rect">
-            <a:avLst/>
-          </a:prstGeom>
-        </p:spPr>
-      </p:pic>
-      <p:pic>
-        <p:nvPicPr>
-          <p:cNvPr id="5" name="Picture 4"/>
-          <p:cNvPicPr>
-            <a:picLocks noChangeAspect="1"/>
-          </p:cNvPicPr>
-          <p:nvPr/>
-        </p:nvPicPr>
-        <p:blipFill>
-          <a:blip r:embed="rId11"/>
-          <a:stretch>
-            <a:fillRect/>
-          </a:stretch>
-        </p:blipFill>
-        <p:spPr>
-          <a:xfrm>
-            <a:off x="9534052" y="5489579"/>
-            <a:ext cx="916667" cy="916667"/>
-          </a:xfrm>
-          <a:prstGeom prst="rect">
-            <a:avLst/>
-          </a:prstGeom>
-        </p:spPr>
-      </p:pic>
     </p:spTree>
-    <p:custDataLst>
-      <p:tags r:id="rId1"/>
-    </p:custDataLst>
     <p:extLst>
       <p:ext uri="{BB962C8B-B14F-4D97-AF65-F5344CB8AC3E}">
-        <p14:creationId xmlns:p14="http://schemas.microsoft.com/office/powerpoint/2010/main" val="3327431291"/>
+        <p14:creationId xmlns:p14="http://schemas.microsoft.com/office/powerpoint/2010/main" val="3165655231"/>
       </p:ext>
     </p:extLst>
   </p:cSld>
@@ -13156,6 +12923,1130 @@
     <p:extLst>
       <p:ext uri="{BB962C8B-B14F-4D97-AF65-F5344CB8AC3E}">
         <p14:creationId xmlns:p14="http://schemas.microsoft.com/office/powerpoint/2010/main" val="4248198370"/>
+      </p:ext>
+    </p:extLst>
+  </p:cSld>
+  <p:clrMapOvr>
+    <a:masterClrMapping/>
+  </p:clrMapOvr>
+</p:sld>
+</file>
+
+<file path=ppt/slides/slide50.xml><?xml version="1.0" encoding="utf-8"?>
+<p:sld xmlns:a="http://schemas.openxmlformats.org/drawingml/2006/main" xmlns:r="http://schemas.openxmlformats.org/officeDocument/2006/relationships" xmlns:p="http://schemas.openxmlformats.org/presentationml/2006/main">
+  <p:cSld>
+    <p:spTree>
+      <p:nvGrpSpPr>
+        <p:cNvPr id="1" name=""/>
+        <p:cNvGrpSpPr/>
+        <p:nvPr/>
+      </p:nvGrpSpPr>
+      <p:grpSpPr>
+        <a:xfrm>
+          <a:off x="0" y="0"/>
+          <a:ext cx="0" cy="0"/>
+          <a:chOff x="0" y="0"/>
+          <a:chExt cx="0" cy="0"/>
+        </a:xfrm>
+      </p:grpSpPr>
+      <p:sp>
+        <p:nvSpPr>
+          <p:cNvPr id="2" name="Rectangle 1">
+            <a:extLst>
+              <a:ext uri="{FF2B5EF4-FFF2-40B4-BE49-F238E27FC236}">
+                <a16:creationId xmlns:a16="http://schemas.microsoft.com/office/drawing/2014/main" id="{2DE89CB1-9618-4594-8318-E37089E53557}"/>
+              </a:ext>
+            </a:extLst>
+          </p:cNvPr>
+          <p:cNvSpPr/>
+          <p:nvPr/>
+        </p:nvSpPr>
+        <p:spPr>
+          <a:xfrm>
+            <a:off x="874207" y="557684"/>
+            <a:ext cx="3873639" cy="5762729"/>
+          </a:xfrm>
+          <a:prstGeom prst="rect">
+            <a:avLst/>
+          </a:prstGeom>
+        </p:spPr>
+        <p:style>
+          <a:lnRef idx="2">
+            <a:schemeClr val="accent1">
+              <a:shade val="50000"/>
+            </a:schemeClr>
+          </a:lnRef>
+          <a:fillRef idx="1">
+            <a:schemeClr val="accent1"/>
+          </a:fillRef>
+          <a:effectRef idx="0">
+            <a:schemeClr val="accent1"/>
+          </a:effectRef>
+          <a:fontRef idx="minor">
+            <a:schemeClr val="lt1"/>
+          </a:fontRef>
+        </p:style>
+        <p:txBody>
+          <a:bodyPr rtlCol="0" anchor="b"/>
+          <a:lstStyle/>
+          <a:p>
+            <a:r>
+              <a:rPr lang="en-US" dirty="0"/>
+              <a:t>/orders/123</a:t>
+            </a:r>
+          </a:p>
+        </p:txBody>
+      </p:sp>
+      <p:sp>
+        <p:nvSpPr>
+          <p:cNvPr id="3" name="Rectangle 2">
+            <a:extLst>
+              <a:ext uri="{FF2B5EF4-FFF2-40B4-BE49-F238E27FC236}">
+                <a16:creationId xmlns:a16="http://schemas.microsoft.com/office/drawing/2014/main" id="{99AA9EF2-DC06-4525-A0E0-5E0C909E9DCA}"/>
+              </a:ext>
+            </a:extLst>
+          </p:cNvPr>
+          <p:cNvSpPr/>
+          <p:nvPr/>
+        </p:nvSpPr>
+        <p:spPr>
+          <a:xfrm>
+            <a:off x="1105319" y="783771"/>
+            <a:ext cx="547635" cy="1261069"/>
+          </a:xfrm>
+          <a:prstGeom prst="rect">
+            <a:avLst/>
+          </a:prstGeom>
+        </p:spPr>
+        <p:style>
+          <a:lnRef idx="2">
+            <a:schemeClr val="accent6">
+              <a:shade val="50000"/>
+            </a:schemeClr>
+          </a:lnRef>
+          <a:fillRef idx="1">
+            <a:schemeClr val="accent6"/>
+          </a:fillRef>
+          <a:effectRef idx="0">
+            <a:schemeClr val="accent6"/>
+          </a:effectRef>
+          <a:fontRef idx="minor">
+            <a:schemeClr val="lt1"/>
+          </a:fontRef>
+        </p:style>
+        <p:txBody>
+          <a:bodyPr vert="vert" rtlCol="0" anchor="ctr"/>
+          <a:lstStyle/>
+          <a:p>
+            <a:pPr algn="ctr"/>
+            <a:r>
+              <a:rPr lang="en-US" dirty="0"/>
+              <a:t>Inbox</a:t>
+            </a:r>
+          </a:p>
+        </p:txBody>
+      </p:sp>
+      <p:sp>
+        <p:nvSpPr>
+          <p:cNvPr id="4" name="Rectangle 3">
+            <a:extLst>
+              <a:ext uri="{FF2B5EF4-FFF2-40B4-BE49-F238E27FC236}">
+                <a16:creationId xmlns:a16="http://schemas.microsoft.com/office/drawing/2014/main" id="{6E00585F-688B-4595-94AC-057DAB57A599}"/>
+              </a:ext>
+            </a:extLst>
+          </p:cNvPr>
+          <p:cNvSpPr/>
+          <p:nvPr/>
+        </p:nvSpPr>
+        <p:spPr>
+          <a:xfrm>
+            <a:off x="1105318" y="2349640"/>
+            <a:ext cx="547635" cy="1261069"/>
+          </a:xfrm>
+          <a:prstGeom prst="rect">
+            <a:avLst/>
+          </a:prstGeom>
+        </p:spPr>
+        <p:style>
+          <a:lnRef idx="2">
+            <a:schemeClr val="accent6">
+              <a:shade val="50000"/>
+            </a:schemeClr>
+          </a:lnRef>
+          <a:fillRef idx="1">
+            <a:schemeClr val="accent6"/>
+          </a:fillRef>
+          <a:effectRef idx="0">
+            <a:schemeClr val="accent6"/>
+          </a:effectRef>
+          <a:fontRef idx="minor">
+            <a:schemeClr val="lt1"/>
+          </a:fontRef>
+        </p:style>
+        <p:txBody>
+          <a:bodyPr vert="vert" rtlCol="0" anchor="ctr"/>
+          <a:lstStyle/>
+          <a:p>
+            <a:pPr algn="ctr"/>
+            <a:r>
+              <a:rPr lang="en-US" dirty="0"/>
+              <a:t>Outbox</a:t>
+            </a:r>
+          </a:p>
+        </p:txBody>
+      </p:sp>
+      <p:sp>
+        <p:nvSpPr>
+          <p:cNvPr id="5" name="Rectangle 4">
+            <a:extLst>
+              <a:ext uri="{FF2B5EF4-FFF2-40B4-BE49-F238E27FC236}">
+                <a16:creationId xmlns:a16="http://schemas.microsoft.com/office/drawing/2014/main" id="{B625923C-B2F5-4CA8-A26E-50639658056B}"/>
+              </a:ext>
+            </a:extLst>
+          </p:cNvPr>
+          <p:cNvSpPr/>
+          <p:nvPr/>
+        </p:nvSpPr>
+        <p:spPr>
+          <a:xfrm>
+            <a:off x="1813727" y="1120391"/>
+            <a:ext cx="547635" cy="492369"/>
+          </a:xfrm>
+          <a:prstGeom prst="rect">
+            <a:avLst/>
+          </a:prstGeom>
+        </p:spPr>
+        <p:style>
+          <a:lnRef idx="2">
+            <a:schemeClr val="accent2">
+              <a:shade val="50000"/>
+            </a:schemeClr>
+          </a:lnRef>
+          <a:fillRef idx="1">
+            <a:schemeClr val="accent2"/>
+          </a:fillRef>
+          <a:effectRef idx="0">
+            <a:schemeClr val="accent2"/>
+          </a:effectRef>
+          <a:fontRef idx="minor">
+            <a:schemeClr val="lt1"/>
+          </a:fontRef>
+        </p:style>
+        <p:txBody>
+          <a:bodyPr rtlCol="0" anchor="ctr"/>
+          <a:lstStyle/>
+          <a:p>
+            <a:pPr algn="ctr"/>
+            <a:endParaRPr lang="en-US"/>
+          </a:p>
+        </p:txBody>
+      </p:sp>
+      <p:sp>
+        <p:nvSpPr>
+          <p:cNvPr id="6" name="Rectangle 5">
+            <a:extLst>
+              <a:ext uri="{FF2B5EF4-FFF2-40B4-BE49-F238E27FC236}">
+                <a16:creationId xmlns:a16="http://schemas.microsoft.com/office/drawing/2014/main" id="{8206B4CF-9F29-4CF6-AE54-49C2A867D26D}"/>
+              </a:ext>
+            </a:extLst>
+          </p:cNvPr>
+          <p:cNvSpPr/>
+          <p:nvPr/>
+        </p:nvSpPr>
+        <p:spPr>
+          <a:xfrm>
+            <a:off x="1966127" y="1272791"/>
+            <a:ext cx="547635" cy="492369"/>
+          </a:xfrm>
+          <a:prstGeom prst="rect">
+            <a:avLst/>
+          </a:prstGeom>
+        </p:spPr>
+        <p:style>
+          <a:lnRef idx="2">
+            <a:schemeClr val="accent2">
+              <a:shade val="50000"/>
+            </a:schemeClr>
+          </a:lnRef>
+          <a:fillRef idx="1">
+            <a:schemeClr val="accent2"/>
+          </a:fillRef>
+          <a:effectRef idx="0">
+            <a:schemeClr val="accent2"/>
+          </a:effectRef>
+          <a:fontRef idx="minor">
+            <a:schemeClr val="lt1"/>
+          </a:fontRef>
+        </p:style>
+        <p:txBody>
+          <a:bodyPr rtlCol="0" anchor="ctr"/>
+          <a:lstStyle/>
+          <a:p>
+            <a:pPr algn="ctr"/>
+            <a:endParaRPr lang="en-US"/>
+          </a:p>
+        </p:txBody>
+      </p:sp>
+      <p:sp>
+        <p:nvSpPr>
+          <p:cNvPr id="7" name="Rectangle 6">
+            <a:extLst>
+              <a:ext uri="{FF2B5EF4-FFF2-40B4-BE49-F238E27FC236}">
+                <a16:creationId xmlns:a16="http://schemas.microsoft.com/office/drawing/2014/main" id="{16238469-E36B-4171-BA1C-AE730A5B4646}"/>
+              </a:ext>
+            </a:extLst>
+          </p:cNvPr>
+          <p:cNvSpPr/>
+          <p:nvPr/>
+        </p:nvSpPr>
+        <p:spPr>
+          <a:xfrm>
+            <a:off x="2118527" y="1425191"/>
+            <a:ext cx="547635" cy="492369"/>
+          </a:xfrm>
+          <a:prstGeom prst="rect">
+            <a:avLst/>
+          </a:prstGeom>
+        </p:spPr>
+        <p:style>
+          <a:lnRef idx="2">
+            <a:schemeClr val="accent2">
+              <a:shade val="50000"/>
+            </a:schemeClr>
+          </a:lnRef>
+          <a:fillRef idx="1">
+            <a:schemeClr val="accent2"/>
+          </a:fillRef>
+          <a:effectRef idx="0">
+            <a:schemeClr val="accent2"/>
+          </a:effectRef>
+          <a:fontRef idx="minor">
+            <a:schemeClr val="lt1"/>
+          </a:fontRef>
+        </p:style>
+        <p:txBody>
+          <a:bodyPr rtlCol="0" anchor="ctr"/>
+          <a:lstStyle/>
+          <a:p>
+            <a:pPr algn="ctr"/>
+            <a:endParaRPr lang="en-US"/>
+          </a:p>
+        </p:txBody>
+      </p:sp>
+      <p:sp>
+        <p:nvSpPr>
+          <p:cNvPr id="8" name="Rectangle 7">
+            <a:extLst>
+              <a:ext uri="{FF2B5EF4-FFF2-40B4-BE49-F238E27FC236}">
+                <a16:creationId xmlns:a16="http://schemas.microsoft.com/office/drawing/2014/main" id="{F6AC4C73-73DE-4352-A214-10D828489146}"/>
+              </a:ext>
+            </a:extLst>
+          </p:cNvPr>
+          <p:cNvSpPr/>
+          <p:nvPr/>
+        </p:nvSpPr>
+        <p:spPr>
+          <a:xfrm>
+            <a:off x="1813727" y="2645228"/>
+            <a:ext cx="547635" cy="492369"/>
+          </a:xfrm>
+          <a:prstGeom prst="rect">
+            <a:avLst/>
+          </a:prstGeom>
+        </p:spPr>
+        <p:style>
+          <a:lnRef idx="2">
+            <a:schemeClr val="accent2">
+              <a:shade val="50000"/>
+            </a:schemeClr>
+          </a:lnRef>
+          <a:fillRef idx="1">
+            <a:schemeClr val="accent2"/>
+          </a:fillRef>
+          <a:effectRef idx="0">
+            <a:schemeClr val="accent2"/>
+          </a:effectRef>
+          <a:fontRef idx="minor">
+            <a:schemeClr val="lt1"/>
+          </a:fontRef>
+        </p:style>
+        <p:txBody>
+          <a:bodyPr rtlCol="0" anchor="ctr"/>
+          <a:lstStyle/>
+          <a:p>
+            <a:pPr algn="ctr"/>
+            <a:endParaRPr lang="en-US"/>
+          </a:p>
+        </p:txBody>
+      </p:sp>
+      <p:sp>
+        <p:nvSpPr>
+          <p:cNvPr id="9" name="Rectangle 8">
+            <a:extLst>
+              <a:ext uri="{FF2B5EF4-FFF2-40B4-BE49-F238E27FC236}">
+                <a16:creationId xmlns:a16="http://schemas.microsoft.com/office/drawing/2014/main" id="{3F8F1549-7A4D-4E84-B2CA-739A5D5887FC}"/>
+              </a:ext>
+            </a:extLst>
+          </p:cNvPr>
+          <p:cNvSpPr/>
+          <p:nvPr/>
+        </p:nvSpPr>
+        <p:spPr>
+          <a:xfrm>
+            <a:off x="1966127" y="2797628"/>
+            <a:ext cx="547635" cy="492369"/>
+          </a:xfrm>
+          <a:prstGeom prst="rect">
+            <a:avLst/>
+          </a:prstGeom>
+        </p:spPr>
+        <p:style>
+          <a:lnRef idx="2">
+            <a:schemeClr val="accent2">
+              <a:shade val="50000"/>
+            </a:schemeClr>
+          </a:lnRef>
+          <a:fillRef idx="1">
+            <a:schemeClr val="accent2"/>
+          </a:fillRef>
+          <a:effectRef idx="0">
+            <a:schemeClr val="accent2"/>
+          </a:effectRef>
+          <a:fontRef idx="minor">
+            <a:schemeClr val="lt1"/>
+          </a:fontRef>
+        </p:style>
+        <p:txBody>
+          <a:bodyPr rtlCol="0" anchor="ctr"/>
+          <a:lstStyle/>
+          <a:p>
+            <a:pPr algn="ctr"/>
+            <a:endParaRPr lang="en-US"/>
+          </a:p>
+        </p:txBody>
+      </p:sp>
+      <p:sp>
+        <p:nvSpPr>
+          <p:cNvPr id="10" name="Rectangle 9">
+            <a:extLst>
+              <a:ext uri="{FF2B5EF4-FFF2-40B4-BE49-F238E27FC236}">
+                <a16:creationId xmlns:a16="http://schemas.microsoft.com/office/drawing/2014/main" id="{EEFCE3A2-A601-4CEE-A448-262DF09E5C9F}"/>
+              </a:ext>
+            </a:extLst>
+          </p:cNvPr>
+          <p:cNvSpPr/>
+          <p:nvPr/>
+        </p:nvSpPr>
+        <p:spPr>
+          <a:xfrm>
+            <a:off x="2118527" y="2950028"/>
+            <a:ext cx="547635" cy="492369"/>
+          </a:xfrm>
+          <a:prstGeom prst="rect">
+            <a:avLst/>
+          </a:prstGeom>
+        </p:spPr>
+        <p:style>
+          <a:lnRef idx="2">
+            <a:schemeClr val="accent2">
+              <a:shade val="50000"/>
+            </a:schemeClr>
+          </a:lnRef>
+          <a:fillRef idx="1">
+            <a:schemeClr val="accent2"/>
+          </a:fillRef>
+          <a:effectRef idx="0">
+            <a:schemeClr val="accent2"/>
+          </a:effectRef>
+          <a:fontRef idx="minor">
+            <a:schemeClr val="lt1"/>
+          </a:fontRef>
+        </p:style>
+        <p:txBody>
+          <a:bodyPr rtlCol="0" anchor="ctr"/>
+          <a:lstStyle/>
+          <a:p>
+            <a:pPr algn="ctr"/>
+            <a:endParaRPr lang="en-US"/>
+          </a:p>
+        </p:txBody>
+      </p:sp>
+      <p:sp>
+        <p:nvSpPr>
+          <p:cNvPr id="14" name="TextBox 13">
+            <a:extLst>
+              <a:ext uri="{FF2B5EF4-FFF2-40B4-BE49-F238E27FC236}">
+                <a16:creationId xmlns:a16="http://schemas.microsoft.com/office/drawing/2014/main" id="{EA24B431-9075-49A7-A272-5C9EB02C063E}"/>
+              </a:ext>
+            </a:extLst>
+          </p:cNvPr>
+          <p:cNvSpPr txBox="1"/>
+          <p:nvPr/>
+        </p:nvSpPr>
+        <p:spPr>
+          <a:xfrm>
+            <a:off x="5953648" y="557684"/>
+            <a:ext cx="5064370" cy="5262979"/>
+          </a:xfrm>
+          <a:prstGeom prst="rect">
+            <a:avLst/>
+          </a:prstGeom>
+          <a:noFill/>
+        </p:spPr>
+        <p:txBody>
+          <a:bodyPr wrap="square" rtlCol="0">
+            <a:spAutoFit/>
+          </a:bodyPr>
+          <a:lstStyle/>
+          <a:p>
+            <a:r>
+              <a:rPr lang="en-US" sz="2800" dirty="0"/>
+              <a:t>Solution: Domain events!</a:t>
+            </a:r>
+          </a:p>
+          <a:p>
+            <a:endParaRPr lang="en-US" sz="2800" dirty="0"/>
+          </a:p>
+          <a:p>
+            <a:pPr marL="285750" indent="-285750">
+              <a:buFont typeface="Arial" panose="020B0604020202020204" pitchFamily="34" charset="0"/>
+              <a:buChar char="•"/>
+            </a:pPr>
+            <a:r>
+              <a:rPr lang="en-US" sz="2800" dirty="0"/>
+              <a:t>Check inbox for already received events</a:t>
+            </a:r>
+          </a:p>
+          <a:p>
+            <a:pPr marL="285750" indent="-285750">
+              <a:buFont typeface="Arial" panose="020B0604020202020204" pitchFamily="34" charset="0"/>
+              <a:buChar char="•"/>
+            </a:pPr>
+            <a:endParaRPr lang="en-US" sz="2800" dirty="0"/>
+          </a:p>
+          <a:p>
+            <a:pPr marL="285750" indent="-285750">
+              <a:buFont typeface="Arial" panose="020B0604020202020204" pitchFamily="34" charset="0"/>
+              <a:buChar char="•"/>
+            </a:pPr>
+            <a:r>
+              <a:rPr lang="en-US" sz="2800" dirty="0"/>
+              <a:t>Use outbox to "communicate" to other aggregates</a:t>
+            </a:r>
+          </a:p>
+          <a:p>
+            <a:pPr marL="285750" indent="-285750">
+              <a:buFont typeface="Arial" panose="020B0604020202020204" pitchFamily="34" charset="0"/>
+              <a:buChar char="•"/>
+            </a:pPr>
+            <a:endParaRPr lang="en-US" sz="2800" dirty="0"/>
+          </a:p>
+          <a:p>
+            <a:pPr marL="285750" indent="-285750">
+              <a:buFont typeface="Arial" panose="020B0604020202020204" pitchFamily="34" charset="0"/>
+              <a:buChar char="•"/>
+            </a:pPr>
+            <a:r>
+              <a:rPr lang="en-US" sz="2800" dirty="0"/>
+              <a:t>Remove events from outbox as they are processed</a:t>
+            </a:r>
+          </a:p>
+        </p:txBody>
+      </p:sp>
+    </p:spTree>
+    <p:extLst>
+      <p:ext uri="{BB962C8B-B14F-4D97-AF65-F5344CB8AC3E}">
+        <p14:creationId xmlns:p14="http://schemas.microsoft.com/office/powerpoint/2010/main" val="1711995667"/>
+      </p:ext>
+    </p:extLst>
+  </p:cSld>
+  <p:clrMapOvr>
+    <a:masterClrMapping/>
+  </p:clrMapOvr>
+</p:sld>
+</file>
+
+<file path=ppt/slides/slide51.xml><?xml version="1.0" encoding="utf-8"?>
+<p:sld xmlns:a="http://schemas.openxmlformats.org/drawingml/2006/main" xmlns:r="http://schemas.openxmlformats.org/officeDocument/2006/relationships" xmlns:p="http://schemas.openxmlformats.org/presentationml/2006/main">
+  <p:cSld>
+    <p:spTree>
+      <p:nvGrpSpPr>
+        <p:cNvPr id="1" name=""/>
+        <p:cNvGrpSpPr/>
+        <p:nvPr/>
+      </p:nvGrpSpPr>
+      <p:grpSpPr>
+        <a:xfrm>
+          <a:off x="0" y="0"/>
+          <a:ext cx="0" cy="0"/>
+          <a:chOff x="0" y="0"/>
+          <a:chExt cx="0" cy="0"/>
+        </a:xfrm>
+      </p:grpSpPr>
+      <p:pic>
+        <p:nvPicPr>
+          <p:cNvPr id="2" name="Picture 1">
+            <a:extLst>
+              <a:ext uri="{FF2B5EF4-FFF2-40B4-BE49-F238E27FC236}">
+                <a16:creationId xmlns:a16="http://schemas.microsoft.com/office/drawing/2014/main" id="{0A5820E0-F674-419D-BE45-DC815015B721}"/>
+              </a:ext>
+            </a:extLst>
+          </p:cNvPr>
+          <p:cNvPicPr>
+            <a:picLocks noChangeAspect="1"/>
+          </p:cNvPicPr>
+          <p:nvPr/>
+        </p:nvPicPr>
+        <p:blipFill>
+          <a:blip r:embed="rId2"/>
+          <a:stretch>
+            <a:fillRect/>
+          </a:stretch>
+        </p:blipFill>
+        <p:spPr>
+          <a:xfrm>
+            <a:off x="0" y="826284"/>
+            <a:ext cx="12192000" cy="5205432"/>
+          </a:xfrm>
+          <a:prstGeom prst="rect">
+            <a:avLst/>
+          </a:prstGeom>
+        </p:spPr>
+      </p:pic>
+    </p:spTree>
+    <p:extLst>
+      <p:ext uri="{BB962C8B-B14F-4D97-AF65-F5344CB8AC3E}">
+        <p14:creationId xmlns:p14="http://schemas.microsoft.com/office/powerpoint/2010/main" val="3800474672"/>
+      </p:ext>
+    </p:extLst>
+  </p:cSld>
+  <p:clrMapOvr>
+    <a:masterClrMapping/>
+  </p:clrMapOvr>
+</p:sld>
+</file>
+
+<file path=ppt/slides/slide52.xml><?xml version="1.0" encoding="utf-8"?>
+<p:sld xmlns:a="http://schemas.openxmlformats.org/drawingml/2006/main" xmlns:r="http://schemas.openxmlformats.org/officeDocument/2006/relationships" xmlns:p="http://schemas.openxmlformats.org/presentationml/2006/main">
+  <p:cSld>
+    <p:spTree>
+      <p:nvGrpSpPr>
+        <p:cNvPr id="1" name=""/>
+        <p:cNvGrpSpPr/>
+        <p:nvPr/>
+      </p:nvGrpSpPr>
+      <p:grpSpPr>
+        <a:xfrm>
+          <a:off x="0" y="0"/>
+          <a:ext cx="0" cy="0"/>
+          <a:chOff x="0" y="0"/>
+          <a:chExt cx="0" cy="0"/>
+        </a:xfrm>
+      </p:grpSpPr>
+      <p:pic>
+        <p:nvPicPr>
+          <p:cNvPr id="2" name="Picture 1">
+            <a:extLst>
+              <a:ext uri="{FF2B5EF4-FFF2-40B4-BE49-F238E27FC236}">
+                <a16:creationId xmlns:a16="http://schemas.microsoft.com/office/drawing/2014/main" id="{8CAB8915-AC66-4FB1-A90F-7BF6ECC2D64B}"/>
+              </a:ext>
+            </a:extLst>
+          </p:cNvPr>
+          <p:cNvPicPr>
+            <a:picLocks noChangeAspect="1"/>
+          </p:cNvPicPr>
+          <p:nvPr/>
+        </p:nvPicPr>
+        <p:blipFill>
+          <a:blip r:embed="rId2"/>
+          <a:stretch>
+            <a:fillRect/>
+          </a:stretch>
+        </p:blipFill>
+        <p:spPr>
+          <a:xfrm>
+            <a:off x="3030070" y="0"/>
+            <a:ext cx="6131859" cy="6858000"/>
+          </a:xfrm>
+          <a:prstGeom prst="rect">
+            <a:avLst/>
+          </a:prstGeom>
+        </p:spPr>
+      </p:pic>
+    </p:spTree>
+    <p:extLst>
+      <p:ext uri="{BB962C8B-B14F-4D97-AF65-F5344CB8AC3E}">
+        <p14:creationId xmlns:p14="http://schemas.microsoft.com/office/powerpoint/2010/main" val="245185262"/>
+      </p:ext>
+    </p:extLst>
+  </p:cSld>
+  <p:clrMapOvr>
+    <a:masterClrMapping/>
+  </p:clrMapOvr>
+</p:sld>
+</file>
+
+<file path=ppt/slides/slide53.xml><?xml version="1.0" encoding="utf-8"?>
+<p:sld xmlns:a="http://schemas.openxmlformats.org/drawingml/2006/main" xmlns:r="http://schemas.openxmlformats.org/officeDocument/2006/relationships" xmlns:p="http://schemas.openxmlformats.org/presentationml/2006/main">
+  <p:cSld>
+    <p:spTree>
+      <p:nvGrpSpPr>
+        <p:cNvPr id="1" name=""/>
+        <p:cNvGrpSpPr/>
+        <p:nvPr/>
+      </p:nvGrpSpPr>
+      <p:grpSpPr>
+        <a:xfrm>
+          <a:off x="0" y="0"/>
+          <a:ext cx="0" cy="0"/>
+          <a:chOff x="0" y="0"/>
+          <a:chExt cx="0" cy="0"/>
+        </a:xfrm>
+      </p:grpSpPr>
+      <p:pic>
+        <p:nvPicPr>
+          <p:cNvPr id="3074" name="Picture 2" descr="Azure Cosmos DB offers multiple, well defined (relaxed) consistency models to choose from">
+            <a:extLst>
+              <a:ext uri="{FF2B5EF4-FFF2-40B4-BE49-F238E27FC236}">
+                <a16:creationId xmlns:a16="http://schemas.microsoft.com/office/drawing/2014/main" id="{EEDBA528-AF7B-49C8-92CD-B53D8244A0F6}"/>
+              </a:ext>
+            </a:extLst>
+          </p:cNvPr>
+          <p:cNvPicPr>
+            <a:picLocks noChangeAspect="1" noChangeArrowheads="1"/>
+          </p:cNvPicPr>
+          <p:nvPr/>
+        </p:nvPicPr>
+        <p:blipFill>
+          <a:blip r:embed="rId2">
+            <a:extLst>
+              <a:ext uri="{28A0092B-C50C-407E-A947-70E740481C1C}">
+                <a14:useLocalDpi xmlns:a14="http://schemas.microsoft.com/office/drawing/2010/main" val="0"/>
+              </a:ext>
+            </a:extLst>
+          </a:blip>
+          <a:srcRect/>
+          <a:stretch>
+            <a:fillRect/>
+          </a:stretch>
+        </p:blipFill>
+        <p:spPr bwMode="auto">
+          <a:xfrm>
+            <a:off x="3185799" y="456258"/>
+            <a:ext cx="5991225" cy="1885950"/>
+          </a:xfrm>
+          <a:prstGeom prst="rect">
+            <a:avLst/>
+          </a:prstGeom>
+          <a:noFill/>
+          <a:extLst>
+            <a:ext uri="{909E8E84-426E-40DD-AFC4-6F175D3DCCD1}">
+              <a14:hiddenFill xmlns:a14="http://schemas.microsoft.com/office/drawing/2010/main">
+                <a:solidFill>
+                  <a:srgbClr val="FFFFFF"/>
+                </a:solidFill>
+              </a14:hiddenFill>
+            </a:ext>
+          </a:extLst>
+        </p:spPr>
+      </p:pic>
+      <p:pic>
+        <p:nvPicPr>
+          <p:cNvPr id="2" name="Picture 1">
+            <a:extLst>
+              <a:ext uri="{FF2B5EF4-FFF2-40B4-BE49-F238E27FC236}">
+                <a16:creationId xmlns:a16="http://schemas.microsoft.com/office/drawing/2014/main" id="{037FD106-9B6F-4398-BEC2-92616671656A}"/>
+              </a:ext>
+            </a:extLst>
+          </p:cNvPr>
+          <p:cNvPicPr>
+            <a:picLocks noChangeAspect="1"/>
+          </p:cNvPicPr>
+          <p:nvPr/>
+        </p:nvPicPr>
+        <p:blipFill>
+          <a:blip r:embed="rId3"/>
+          <a:stretch>
+            <a:fillRect/>
+          </a:stretch>
+        </p:blipFill>
+        <p:spPr>
+          <a:xfrm>
+            <a:off x="0" y="2322399"/>
+            <a:ext cx="12192000" cy="4386787"/>
+          </a:xfrm>
+          <a:prstGeom prst="rect">
+            <a:avLst/>
+          </a:prstGeom>
+        </p:spPr>
+      </p:pic>
+    </p:spTree>
+    <p:extLst>
+      <p:ext uri="{BB962C8B-B14F-4D97-AF65-F5344CB8AC3E}">
+        <p14:creationId xmlns:p14="http://schemas.microsoft.com/office/powerpoint/2010/main" val="250317462"/>
+      </p:ext>
+    </p:extLst>
+  </p:cSld>
+  <p:clrMapOvr>
+    <a:masterClrMapping/>
+  </p:clrMapOvr>
+</p:sld>
+</file>
+
+<file path=ppt/slides/slide54.xml><?xml version="1.0" encoding="utf-8"?>
+<p:sld xmlns:a="http://schemas.openxmlformats.org/drawingml/2006/main" xmlns:r="http://schemas.openxmlformats.org/officeDocument/2006/relationships" xmlns:p="http://schemas.openxmlformats.org/presentationml/2006/main">
+  <p:cSld>
+    <p:spTree>
+      <p:nvGrpSpPr>
+        <p:cNvPr id="1" name=""/>
+        <p:cNvGrpSpPr/>
+        <p:nvPr/>
+      </p:nvGrpSpPr>
+      <p:grpSpPr>
+        <a:xfrm>
+          <a:off x="0" y="0"/>
+          <a:ext cx="0" cy="0"/>
+          <a:chOff x="0" y="0"/>
+          <a:chExt cx="0" cy="0"/>
+        </a:xfrm>
+      </p:grpSpPr>
+      <p:sp>
+        <p:nvSpPr>
+          <p:cNvPr id="2" name="Title 1"/>
+          <p:cNvSpPr>
+            <a:spLocks noGrp="1"/>
+          </p:cNvSpPr>
+          <p:nvPr>
+            <p:ph type="ctrTitle"/>
+            <p:custDataLst>
+              <p:tags r:id="rId2"/>
+            </p:custDataLst>
+          </p:nvPr>
+        </p:nvSpPr>
+        <p:spPr>
+          <a:xfrm>
+            <a:off x="1759392" y="70969"/>
+            <a:ext cx="8691327" cy="2387600"/>
+          </a:xfrm>
+        </p:spPr>
+        <p:txBody>
+          <a:bodyPr anchor="ctr">
+            <a:noAutofit/>
+          </a:bodyPr>
+          <a:lstStyle/>
+          <a:p>
+            <a:r>
+              <a:rPr lang="en-US" sz="6600" dirty="0">
+                <a:solidFill>
+                  <a:prstClr val="black"/>
+                </a:solidFill>
+              </a:rPr>
+              <a:t>From SQL to</a:t>
+            </a:r>
+            <a:br>
+              <a:rPr lang="en-US" sz="6600" dirty="0">
+                <a:solidFill>
+                  <a:prstClr val="black"/>
+                </a:solidFill>
+              </a:rPr>
+            </a:br>
+            <a:r>
+              <a:rPr lang="en-US" sz="6600" dirty="0">
+                <a:solidFill>
+                  <a:prstClr val="black"/>
+                </a:solidFill>
+              </a:rPr>
+              <a:t>Azure Cosmos DB</a:t>
+            </a:r>
+            <a:endParaRPr lang="en-US" sz="4800" dirty="0"/>
+          </a:p>
+        </p:txBody>
+      </p:sp>
+      <p:sp>
+        <p:nvSpPr>
+          <p:cNvPr id="3" name="Subtitle 2"/>
+          <p:cNvSpPr>
+            <a:spLocks noGrp="1"/>
+          </p:cNvSpPr>
+          <p:nvPr>
+            <p:ph type="subTitle" idx="1"/>
+            <p:custDataLst>
+              <p:tags r:id="rId3"/>
+            </p:custDataLst>
+          </p:nvPr>
+        </p:nvSpPr>
+        <p:spPr>
+          <a:xfrm>
+            <a:off x="2676052" y="2693397"/>
+            <a:ext cx="6858000" cy="1655763"/>
+          </a:xfrm>
+        </p:spPr>
+        <p:txBody>
+          <a:bodyPr>
+            <a:normAutofit lnSpcReduction="10000"/>
+          </a:bodyPr>
+          <a:lstStyle/>
+          <a:p>
+            <a:r>
+              <a:rPr lang="en-US" dirty="0"/>
+              <a:t>Jimmy </a:t>
+            </a:r>
+            <a:r>
+              <a:rPr lang="en-US" dirty="0" err="1"/>
+              <a:t>Bogard</a:t>
+            </a:r>
+            <a:endParaRPr lang="en-US" dirty="0"/>
+          </a:p>
+          <a:p>
+            <a:r>
+              <a:rPr lang="en-US" dirty="0"/>
+              <a:t>@</a:t>
+            </a:r>
+            <a:r>
+              <a:rPr lang="en-US" dirty="0" err="1"/>
+              <a:t>jbogard</a:t>
+            </a:r>
+            <a:endParaRPr lang="en-US" dirty="0"/>
+          </a:p>
+          <a:p>
+            <a:r>
+              <a:rPr lang="en-US" dirty="0"/>
+              <a:t>github.com/</a:t>
+            </a:r>
+            <a:r>
+              <a:rPr lang="en-US" dirty="0" err="1"/>
+              <a:t>jbogard</a:t>
+            </a:r>
+            <a:endParaRPr lang="en-US" dirty="0"/>
+          </a:p>
+          <a:p>
+            <a:r>
+              <a:rPr lang="en-US" dirty="0" err="1"/>
+              <a:t>jimmybogard.com</a:t>
+            </a:r>
+            <a:endParaRPr lang="en-US" dirty="0"/>
+          </a:p>
+        </p:txBody>
+      </p:sp>
+      <p:pic>
+        <p:nvPicPr>
+          <p:cNvPr id="9" name="Picture 4" descr="https://mvp.support.microsoft.com/library/images/support/en-US/MVPLogo.gif"/>
+          <p:cNvPicPr>
+            <a:picLocks noChangeAspect="1" noChangeArrowheads="1"/>
+          </p:cNvPicPr>
+          <p:nvPr/>
+        </p:nvPicPr>
+        <p:blipFill>
+          <a:blip r:embed="rId6">
+            <a:extLst>
+              <a:ext uri="{28A0092B-C50C-407E-A947-70E740481C1C}">
+                <a14:useLocalDpi xmlns:a14="http://schemas.microsoft.com/office/drawing/2010/main" val="0"/>
+              </a:ext>
+            </a:extLst>
+          </a:blip>
+          <a:srcRect/>
+          <a:stretch>
+            <a:fillRect/>
+          </a:stretch>
+        </p:blipFill>
+        <p:spPr bwMode="auto">
+          <a:xfrm>
+            <a:off x="1411730" y="4632329"/>
+            <a:ext cx="1095375" cy="1714500"/>
+          </a:xfrm>
+          <a:prstGeom prst="rect">
+            <a:avLst/>
+          </a:prstGeom>
+          <a:noFill/>
+          <a:extLst>
+            <a:ext uri="{909E8E84-426E-40DD-AFC4-6F175D3DCCD1}">
+              <a14:hiddenFill xmlns:a14="http://schemas.microsoft.com/office/drawing/2010/main">
+                <a:solidFill>
+                  <a:srgbClr val="FFFFFF"/>
+                </a:solidFill>
+              </a14:hiddenFill>
+            </a:ext>
+          </a:extLst>
+        </p:spPr>
+      </p:pic>
+      <p:pic>
+        <p:nvPicPr>
+          <p:cNvPr id="11" name="Picture 8" descr="http://lostechies.com/wp-content/themes/lostechies/images/lostechies_logo.png"/>
+          <p:cNvPicPr>
+            <a:picLocks noChangeAspect="1" noChangeArrowheads="1"/>
+          </p:cNvPicPr>
+          <p:nvPr/>
+        </p:nvPicPr>
+        <p:blipFill>
+          <a:blip r:embed="rId7">
+            <a:extLst>
+              <a:ext uri="{28A0092B-C50C-407E-A947-70E740481C1C}">
+                <a14:useLocalDpi xmlns:a14="http://schemas.microsoft.com/office/drawing/2010/main" val="0"/>
+              </a:ext>
+            </a:extLst>
+          </a:blip>
+          <a:srcRect/>
+          <a:stretch>
+            <a:fillRect/>
+          </a:stretch>
+        </p:blipFill>
+        <p:spPr bwMode="auto">
+          <a:xfrm>
+            <a:off x="2106433" y="5489579"/>
+            <a:ext cx="6047539" cy="733425"/>
+          </a:xfrm>
+          <a:prstGeom prst="rect">
+            <a:avLst/>
+          </a:prstGeom>
+          <a:noFill/>
+          <a:extLst>
+            <a:ext uri="{909E8E84-426E-40DD-AFC4-6F175D3DCCD1}">
+              <a14:hiddenFill xmlns:a14="http://schemas.microsoft.com/office/drawing/2010/main">
+                <a:solidFill>
+                  <a:srgbClr val="FFFFFF"/>
+                </a:solidFill>
+              </a14:hiddenFill>
+            </a:ext>
+          </a:extLst>
+        </p:spPr>
+      </p:pic>
+      <p:pic>
+        <p:nvPicPr>
+          <p:cNvPr id="12" name="Picture 12" descr="AutoMapper"/>
+          <p:cNvPicPr>
+            <a:picLocks noChangeAspect="1" noChangeArrowheads="1"/>
+          </p:cNvPicPr>
+          <p:nvPr/>
+        </p:nvPicPr>
+        <p:blipFill>
+          <a:blip r:embed="rId8">
+            <a:extLst>
+              <a:ext uri="{28A0092B-C50C-407E-A947-70E740481C1C}">
+                <a14:useLocalDpi xmlns:a14="http://schemas.microsoft.com/office/drawing/2010/main" val="0"/>
+              </a:ext>
+            </a:extLst>
+          </a:blip>
+          <a:srcRect/>
+          <a:stretch>
+            <a:fillRect/>
+          </a:stretch>
+        </p:blipFill>
+        <p:spPr bwMode="auto">
+          <a:xfrm>
+            <a:off x="7410973" y="4783848"/>
+            <a:ext cx="3733800" cy="382377"/>
+          </a:xfrm>
+          <a:prstGeom prst="rect">
+            <a:avLst/>
+          </a:prstGeom>
+          <a:noFill/>
+          <a:extLst>
+            <a:ext uri="{909E8E84-426E-40DD-AFC4-6F175D3DCCD1}">
+              <a14:hiddenFill xmlns:a14="http://schemas.microsoft.com/office/drawing/2010/main">
+                <a:solidFill>
+                  <a:srgbClr val="FFFFFF"/>
+                </a:solidFill>
+              </a14:hiddenFill>
+            </a:ext>
+          </a:extLst>
+        </p:spPr>
+      </p:pic>
+      <p:pic>
+        <p:nvPicPr>
+          <p:cNvPr id="10" name="Picture 2" descr="http://storage.pardot.com/52582/22896/headspring_weblogo.png"/>
+          <p:cNvPicPr>
+            <a:picLocks noChangeAspect="1" noChangeArrowheads="1"/>
+          </p:cNvPicPr>
+          <p:nvPr/>
+        </p:nvPicPr>
+        <p:blipFill>
+          <a:blip r:embed="rId9">
+            <a:extLst>
+              <a:ext uri="{28A0092B-C50C-407E-A947-70E740481C1C}">
+                <a14:useLocalDpi xmlns:a14="http://schemas.microsoft.com/office/drawing/2010/main" val="0"/>
+              </a:ext>
+            </a:extLst>
+          </a:blip>
+          <a:srcRect/>
+          <a:stretch>
+            <a:fillRect/>
+          </a:stretch>
+        </p:blipFill>
+        <p:spPr bwMode="auto">
+          <a:xfrm>
+            <a:off x="3310440" y="4685622"/>
+            <a:ext cx="3183567" cy="578830"/>
+          </a:xfrm>
+          <a:prstGeom prst="rect">
+            <a:avLst/>
+          </a:prstGeom>
+          <a:noFill/>
+          <a:extLst>
+            <a:ext uri="{909E8E84-426E-40DD-AFC4-6F175D3DCCD1}">
+              <a14:hiddenFill xmlns:a14="http://schemas.microsoft.com/office/drawing/2010/main">
+                <a:solidFill>
+                  <a:srgbClr val="FFFFFF"/>
+                </a:solidFill>
+              </a14:hiddenFill>
+            </a:ext>
+          </a:extLst>
+        </p:spPr>
+      </p:pic>
+      <p:pic>
+        <p:nvPicPr>
+          <p:cNvPr id="4" name="Picture 3"/>
+          <p:cNvPicPr>
+            <a:picLocks noChangeAspect="1"/>
+          </p:cNvPicPr>
+          <p:nvPr/>
+        </p:nvPicPr>
+        <p:blipFill>
+          <a:blip r:embed="rId10"/>
+          <a:stretch>
+            <a:fillRect/>
+          </a:stretch>
+        </p:blipFill>
+        <p:spPr>
+          <a:xfrm>
+            <a:off x="7996760" y="5405709"/>
+            <a:ext cx="1052054" cy="1052054"/>
+          </a:xfrm>
+          <a:prstGeom prst="rect">
+            <a:avLst/>
+          </a:prstGeom>
+        </p:spPr>
+      </p:pic>
+      <p:pic>
+        <p:nvPicPr>
+          <p:cNvPr id="5" name="Picture 4"/>
+          <p:cNvPicPr>
+            <a:picLocks noChangeAspect="1"/>
+          </p:cNvPicPr>
+          <p:nvPr/>
+        </p:nvPicPr>
+        <p:blipFill>
+          <a:blip r:embed="rId11"/>
+          <a:stretch>
+            <a:fillRect/>
+          </a:stretch>
+        </p:blipFill>
+        <p:spPr>
+          <a:xfrm>
+            <a:off x="9534052" y="5489579"/>
+            <a:ext cx="916667" cy="916667"/>
+          </a:xfrm>
+          <a:prstGeom prst="rect">
+            <a:avLst/>
+          </a:prstGeom>
+        </p:spPr>
+      </p:pic>
+    </p:spTree>
+    <p:custDataLst>
+      <p:tags r:id="rId1"/>
+    </p:custDataLst>
+    <p:extLst>
+      <p:ext uri="{BB962C8B-B14F-4D97-AF65-F5344CB8AC3E}">
+        <p14:creationId xmlns:p14="http://schemas.microsoft.com/office/powerpoint/2010/main" val="3327431291"/>
       </p:ext>
     </p:extLst>
   </p:cSld>

--- a/FromSQLtoAzureCosmosDB/FromSQLtoAzureCosmosDB.pptx
+++ b/FromSQLtoAzureCosmosDB/FromSQLtoAzureCosmosDB.pptx
@@ -5,7 +5,7 @@
     <p:sldMasterId id="2147483700" r:id="rId1"/>
   </p:sldMasterIdLst>
   <p:notesMasterIdLst>
-    <p:notesMasterId r:id="rId56"/>
+    <p:notesMasterId r:id="rId57"/>
   </p:notesMasterIdLst>
   <p:sldIdLst>
     <p:sldId id="274" r:id="rId2"/>
@@ -61,7 +61,8 @@
     <p:sldId id="308" r:id="rId52"/>
     <p:sldId id="318" r:id="rId53"/>
     <p:sldId id="319" r:id="rId54"/>
-    <p:sldId id="275" r:id="rId55"/>
+    <p:sldId id="328" r:id="rId55"/>
+    <p:sldId id="275" r:id="rId56"/>
   </p:sldIdLst>
   <p:sldSz cx="12192000" cy="6858000"/>
   <p:notesSz cx="6858000" cy="9144000"/>
@@ -275,7 +276,7 @@
           <a:p>
             <a:fld id="{D4DDA21E-28F9-429C-875C-CFE3ACB8D770}" type="datetimeFigureOut">
               <a:rPr lang="en-US" smtClean="0"/>
-              <a:t>5/10/2018</a:t>
+              <a:t>6/13/2018</a:t>
             </a:fld>
             <a:endParaRPr lang="en-US"/>
           </a:p>
@@ -1049,7 +1050,7 @@
           <a:p>
             <a:fld id="{DC42B9C4-3265-4C64-80EB-D0107FD08979}" type="slidenum">
               <a:rPr lang="en-US" smtClean="0"/>
-              <a:t>54</a:t>
+              <a:t>55</a:t>
             </a:fld>
             <a:endParaRPr lang="en-US"/>
           </a:p>
@@ -1199,7 +1200,7 @@
           <a:p>
             <a:fld id="{EB044DB1-568E-4964-A02F-CCDCEAA70EF3}" type="datetimeFigureOut">
               <a:rPr lang="en-US" smtClean="0"/>
-              <a:t>5/10/2018</a:t>
+              <a:t>6/13/2018</a:t>
             </a:fld>
             <a:endParaRPr lang="en-US"/>
           </a:p>
@@ -1417,7 +1418,7 @@
           <a:p>
             <a:fld id="{EB044DB1-568E-4964-A02F-CCDCEAA70EF3}" type="datetimeFigureOut">
               <a:rPr lang="en-US" smtClean="0"/>
-              <a:t>5/10/2018</a:t>
+              <a:t>6/13/2018</a:t>
             </a:fld>
             <a:endParaRPr lang="en-US"/>
           </a:p>
@@ -1592,7 +1593,7 @@
           <a:p>
             <a:fld id="{EB044DB1-568E-4964-A02F-CCDCEAA70EF3}" type="datetimeFigureOut">
               <a:rPr lang="en-US" smtClean="0"/>
-              <a:t>5/10/2018</a:t>
+              <a:t>6/13/2018</a:t>
             </a:fld>
             <a:endParaRPr lang="en-US"/>
           </a:p>
@@ -1995,7 +1996,7 @@
           <a:p>
             <a:fld id="{EB044DB1-568E-4964-A02F-CCDCEAA70EF3}" type="datetimeFigureOut">
               <a:rPr lang="en-US" smtClean="0"/>
-              <a:t>5/10/2018</a:t>
+              <a:t>6/13/2018</a:t>
             </a:fld>
             <a:endParaRPr lang="en-US"/>
           </a:p>
@@ -2236,7 +2237,7 @@
           <a:p>
             <a:fld id="{EB044DB1-568E-4964-A02F-CCDCEAA70EF3}" type="datetimeFigureOut">
               <a:rPr lang="en-US" smtClean="0"/>
-              <a:t>5/10/2018</a:t>
+              <a:t>6/13/2018</a:t>
             </a:fld>
             <a:endParaRPr lang="en-US"/>
           </a:p>
@@ -2463,7 +2464,7 @@
           <a:p>
             <a:fld id="{EB044DB1-568E-4964-A02F-CCDCEAA70EF3}" type="datetimeFigureOut">
               <a:rPr lang="en-US" smtClean="0"/>
-              <a:t>5/10/2018</a:t>
+              <a:t>6/13/2018</a:t>
             </a:fld>
             <a:endParaRPr lang="en-US"/>
           </a:p>
@@ -2825,7 +2826,7 @@
           <a:p>
             <a:fld id="{EB044DB1-568E-4964-A02F-CCDCEAA70EF3}" type="datetimeFigureOut">
               <a:rPr lang="en-US" smtClean="0"/>
-              <a:t>5/10/2018</a:t>
+              <a:t>6/13/2018</a:t>
             </a:fld>
             <a:endParaRPr lang="en-US"/>
           </a:p>
@@ -2938,7 +2939,7 @@
           <a:p>
             <a:fld id="{EB044DB1-568E-4964-A02F-CCDCEAA70EF3}" type="datetimeFigureOut">
               <a:rPr lang="en-US" smtClean="0"/>
-              <a:t>5/10/2018</a:t>
+              <a:t>6/13/2018</a:t>
             </a:fld>
             <a:endParaRPr lang="en-US"/>
           </a:p>
@@ -3028,7 +3029,7 @@
           <a:p>
             <a:fld id="{EB044DB1-568E-4964-A02F-CCDCEAA70EF3}" type="datetimeFigureOut">
               <a:rPr lang="en-US" smtClean="0"/>
-              <a:t>5/10/2018</a:t>
+              <a:t>6/13/2018</a:t>
             </a:fld>
             <a:endParaRPr lang="en-US"/>
           </a:p>
@@ -3300,7 +3301,7 @@
           <a:p>
             <a:fld id="{EB044DB1-568E-4964-A02F-CCDCEAA70EF3}" type="datetimeFigureOut">
               <a:rPr lang="en-US" smtClean="0"/>
-              <a:t>5/10/2018</a:t>
+              <a:t>6/13/2018</a:t>
             </a:fld>
             <a:endParaRPr lang="en-US"/>
           </a:p>
@@ -3552,7 +3553,7 @@
           <a:p>
             <a:fld id="{EB044DB1-568E-4964-A02F-CCDCEAA70EF3}" type="datetimeFigureOut">
               <a:rPr lang="en-US" smtClean="0"/>
-              <a:t>5/10/2018</a:t>
+              <a:t>6/13/2018</a:t>
             </a:fld>
             <a:endParaRPr lang="en-US"/>
           </a:p>
@@ -3759,7 +3760,7 @@
           <a:p>
             <a:fld id="{EB044DB1-568E-4964-A02F-CCDCEAA70EF3}" type="datetimeFigureOut">
               <a:rPr lang="en-US" smtClean="0"/>
-              <a:t>5/10/2018</a:t>
+              <a:t>6/13/2018</a:t>
             </a:fld>
             <a:endParaRPr lang="en-US"/>
           </a:p>
@@ -11204,7 +11205,7 @@
 </file>
 
 <file path=ppt/slides/slide33.xml><?xml version="1.0" encoding="utf-8"?>
-<p:sld xmlns:a="http://schemas.openxmlformats.org/drawingml/2006/main" xmlns:r="http://schemas.openxmlformats.org/officeDocument/2006/relationships" xmlns:p="http://schemas.openxmlformats.org/presentationml/2006/main">
+<p:sld xmlns:a="http://schemas.openxmlformats.org/drawingml/2006/main" xmlns:r="http://schemas.openxmlformats.org/officeDocument/2006/relationships" xmlns:p="http://schemas.openxmlformats.org/presentationml/2006/main" show="0">
   <p:cSld>
     <p:spTree>
       <p:nvGrpSpPr>
@@ -11303,7 +11304,7 @@
 </file>
 
 <file path=ppt/slides/slide34.xml><?xml version="1.0" encoding="utf-8"?>
-<p:sld xmlns:a="http://schemas.openxmlformats.org/drawingml/2006/main" xmlns:r="http://schemas.openxmlformats.org/officeDocument/2006/relationships" xmlns:p="http://schemas.openxmlformats.org/presentationml/2006/main">
+<p:sld xmlns:a="http://schemas.openxmlformats.org/drawingml/2006/main" xmlns:r="http://schemas.openxmlformats.org/officeDocument/2006/relationships" xmlns:p="http://schemas.openxmlformats.org/presentationml/2006/main" show="0">
   <p:cSld>
     <p:spTree>
       <p:nvGrpSpPr>
@@ -11494,7 +11495,7 @@
 </file>
 
 <file path=ppt/slides/slide35.xml><?xml version="1.0" encoding="utf-8"?>
-<p:sld xmlns:a="http://schemas.openxmlformats.org/drawingml/2006/main" xmlns:r="http://schemas.openxmlformats.org/officeDocument/2006/relationships" xmlns:p="http://schemas.openxmlformats.org/presentationml/2006/main">
+<p:sld xmlns:a="http://schemas.openxmlformats.org/drawingml/2006/main" xmlns:r="http://schemas.openxmlformats.org/officeDocument/2006/relationships" xmlns:p="http://schemas.openxmlformats.org/presentationml/2006/main" show="0">
   <p:cSld>
     <p:spTree>
       <p:nvGrpSpPr>
@@ -11571,7 +11572,7 @@
 </file>
 
 <file path=ppt/slides/slide36.xml><?xml version="1.0" encoding="utf-8"?>
-<p:sld xmlns:a="http://schemas.openxmlformats.org/drawingml/2006/main" xmlns:r="http://schemas.openxmlformats.org/officeDocument/2006/relationships" xmlns:p="http://schemas.openxmlformats.org/presentationml/2006/main">
+<p:sld xmlns:a="http://schemas.openxmlformats.org/drawingml/2006/main" xmlns:r="http://schemas.openxmlformats.org/officeDocument/2006/relationships" xmlns:p="http://schemas.openxmlformats.org/presentationml/2006/main" show="0">
   <p:cSld>
     <p:spTree>
       <p:nvGrpSpPr>
@@ -11631,7 +11632,7 @@
 </file>
 
 <file path=ppt/slides/slide37.xml><?xml version="1.0" encoding="utf-8"?>
-<p:sld xmlns:a="http://schemas.openxmlformats.org/drawingml/2006/main" xmlns:r="http://schemas.openxmlformats.org/officeDocument/2006/relationships" xmlns:p="http://schemas.openxmlformats.org/presentationml/2006/main">
+<p:sld xmlns:a="http://schemas.openxmlformats.org/drawingml/2006/main" xmlns:r="http://schemas.openxmlformats.org/officeDocument/2006/relationships" xmlns:p="http://schemas.openxmlformats.org/presentationml/2006/main" show="0">
   <p:cSld>
     <p:spTree>
       <p:nvGrpSpPr>
@@ -11691,7 +11692,7 @@
 </file>
 
 <file path=ppt/slides/slide38.xml><?xml version="1.0" encoding="utf-8"?>
-<p:sld xmlns:a="http://schemas.openxmlformats.org/drawingml/2006/main" xmlns:r="http://schemas.openxmlformats.org/officeDocument/2006/relationships" xmlns:p="http://schemas.openxmlformats.org/presentationml/2006/main">
+<p:sld xmlns:a="http://schemas.openxmlformats.org/drawingml/2006/main" xmlns:r="http://schemas.openxmlformats.org/officeDocument/2006/relationships" xmlns:p="http://schemas.openxmlformats.org/presentationml/2006/main" show="0">
   <p:cSld>
     <p:spTree>
       <p:nvGrpSpPr>
@@ -11751,7 +11752,7 @@
 </file>
 
 <file path=ppt/slides/slide39.xml><?xml version="1.0" encoding="utf-8"?>
-<p:sld xmlns:a="http://schemas.openxmlformats.org/drawingml/2006/main" xmlns:r="http://schemas.openxmlformats.org/officeDocument/2006/relationships" xmlns:p="http://schemas.openxmlformats.org/presentationml/2006/main">
+<p:sld xmlns:a="http://schemas.openxmlformats.org/drawingml/2006/main" xmlns:r="http://schemas.openxmlformats.org/officeDocument/2006/relationships" xmlns:p="http://schemas.openxmlformats.org/presentationml/2006/main" show="0">
   <p:cSld>
     <p:spTree>
       <p:nvGrpSpPr>
@@ -12047,7 +12048,7 @@
 </file>
 
 <file path=ppt/slides/slide40.xml><?xml version="1.0" encoding="utf-8"?>
-<p:sld xmlns:a="http://schemas.openxmlformats.org/drawingml/2006/main" xmlns:r="http://schemas.openxmlformats.org/officeDocument/2006/relationships" xmlns:p="http://schemas.openxmlformats.org/presentationml/2006/main">
+<p:sld xmlns:a="http://schemas.openxmlformats.org/drawingml/2006/main" xmlns:r="http://schemas.openxmlformats.org/officeDocument/2006/relationships" xmlns:p="http://schemas.openxmlformats.org/presentationml/2006/main" show="0">
   <p:cSld>
     <p:spTree>
       <p:nvGrpSpPr>
@@ -13694,6 +13695,89 @@
 </file>
 
 <file path=ppt/slides/slide54.xml><?xml version="1.0" encoding="utf-8"?>
+<p:sld xmlns:a="http://schemas.openxmlformats.org/drawingml/2006/main" xmlns:r="http://schemas.openxmlformats.org/officeDocument/2006/relationships" xmlns:p="http://schemas.openxmlformats.org/presentationml/2006/main">
+  <p:cSld>
+    <p:spTree>
+      <p:nvGrpSpPr>
+        <p:cNvPr id="1" name=""/>
+        <p:cNvGrpSpPr/>
+        <p:nvPr/>
+      </p:nvGrpSpPr>
+      <p:grpSpPr>
+        <a:xfrm>
+          <a:off x="0" y="0"/>
+          <a:ext cx="0" cy="0"/>
+          <a:chOff x="0" y="0"/>
+          <a:chExt cx="0" cy="0"/>
+        </a:xfrm>
+      </p:grpSpPr>
+      <p:sp>
+        <p:nvSpPr>
+          <p:cNvPr id="2" name="Title 1">
+            <a:extLst>
+              <a:ext uri="{FF2B5EF4-FFF2-40B4-BE49-F238E27FC236}">
+                <a16:creationId xmlns:a16="http://schemas.microsoft.com/office/drawing/2014/main" id="{F6094E4F-897C-481E-8F5C-F8E1FEA5EB49}"/>
+              </a:ext>
+            </a:extLst>
+          </p:cNvPr>
+          <p:cNvSpPr>
+            <a:spLocks noGrp="1"/>
+          </p:cNvSpPr>
+          <p:nvPr>
+            <p:ph type="title"/>
+          </p:nvPr>
+        </p:nvSpPr>
+        <p:spPr/>
+        <p:txBody>
+          <a:bodyPr/>
+          <a:lstStyle/>
+          <a:p>
+            <a:r>
+              <a:rPr lang="en-US"/>
+              <a:t>Demo</a:t>
+            </a:r>
+          </a:p>
+        </p:txBody>
+      </p:sp>
+      <p:sp>
+        <p:nvSpPr>
+          <p:cNvPr id="3" name="Text Placeholder 2">
+            <a:extLst>
+              <a:ext uri="{FF2B5EF4-FFF2-40B4-BE49-F238E27FC236}">
+                <a16:creationId xmlns:a16="http://schemas.microsoft.com/office/drawing/2014/main" id="{0409AFD0-5795-4555-899C-BDF1820F1FD7}"/>
+              </a:ext>
+            </a:extLst>
+          </p:cNvPr>
+          <p:cNvSpPr>
+            <a:spLocks noGrp="1"/>
+          </p:cNvSpPr>
+          <p:nvPr>
+            <p:ph type="body" idx="1"/>
+          </p:nvPr>
+        </p:nvSpPr>
+        <p:spPr/>
+        <p:txBody>
+          <a:bodyPr/>
+          <a:lstStyle/>
+          <a:p>
+            <a:endParaRPr lang="en-US"/>
+          </a:p>
+        </p:txBody>
+      </p:sp>
+    </p:spTree>
+    <p:extLst>
+      <p:ext uri="{BB962C8B-B14F-4D97-AF65-F5344CB8AC3E}">
+        <p14:creationId xmlns:p14="http://schemas.microsoft.com/office/powerpoint/2010/main" val="2768750719"/>
+      </p:ext>
+    </p:extLst>
+  </p:cSld>
+  <p:clrMapOvr>
+    <a:masterClrMapping/>
+  </p:clrMapOvr>
+</p:sld>
+</file>
+
+<file path=ppt/slides/slide55.xml><?xml version="1.0" encoding="utf-8"?>
 <p:sld xmlns:a="http://schemas.openxmlformats.org/drawingml/2006/main" xmlns:r="http://schemas.openxmlformats.org/officeDocument/2006/relationships" xmlns:p="http://schemas.openxmlformats.org/presentationml/2006/main">
   <p:cSld>
     <p:spTree>
